--- a/2 semestre/Programação Web/Projeto/fluxograma.pptx
+++ b/2 semestre/Programação Web/Projeto/fluxograma.pptx
@@ -107,6 +107,22 @@
       </a:defRPr>
     </a:lvl9pPr>
   </p:defaultTextStyle>
+  <p:extLst>
+    <p:ext uri="{EFAFB233-063F-42B5-8137-9DF3F51BA10A}">
+      <p15:sldGuideLst xmlns:p15="http://schemas.microsoft.com/office/powerpoint/2012/main">
+        <p15:guide id="1" orient="horz" pos="2160">
+          <p15:clr>
+            <a:srgbClr val="A4A3A4"/>
+          </p15:clr>
+        </p15:guide>
+        <p15:guide id="2" pos="2880">
+          <p15:clr>
+            <a:srgbClr val="A4A3A4"/>
+          </p15:clr>
+        </p15:guide>
+      </p15:sldGuideLst>
+    </p:ext>
+  </p:extLst>
 </p:presentation>
 </file>
 
@@ -192,7 +208,7 @@
           <a:p>
             <a:fld id="{D0C0442E-B55D-4D59-93D7-FFF2E0307A9C}" type="datetimeFigureOut">
               <a:rPr lang="en-US" smtClean="0"/>
-              <a:t>10/1/2016</a:t>
+              <a:t>11/24/2016</a:t>
             </a:fld>
             <a:endParaRPr lang="en-US"/>
           </a:p>
@@ -351,7 +367,7 @@
           <a:p>
             <a:fld id="{31588C94-7E1E-48E5-B3F3-20BFCA0D8D62}" type="slidenum">
               <a:rPr lang="en-US" smtClean="0"/>
-              <a:t>‹#›</a:t>
+              <a:t>‹nº›</a:t>
             </a:fld>
             <a:endParaRPr lang="en-US"/>
           </a:p>
@@ -725,7 +741,7 @@
           <a:p>
             <a:fld id="{2108961D-8658-43AB-9B9F-E6D9ABE0FF61}" type="datetimeFigureOut">
               <a:rPr lang="en-US" smtClean="0"/>
-              <a:t>10/1/2016</a:t>
+              <a:t>11/24/2016</a:t>
             </a:fld>
             <a:endParaRPr lang="en-US"/>
           </a:p>
@@ -767,7 +783,7 @@
           <a:p>
             <a:fld id="{6D38C0DD-A3B5-4A58-9E61-989A874E235E}" type="slidenum">
               <a:rPr lang="en-US" smtClean="0"/>
-              <a:t>‹#›</a:t>
+              <a:t>‹nº›</a:t>
             </a:fld>
             <a:endParaRPr lang="en-US"/>
           </a:p>
@@ -895,7 +911,7 @@
           <a:p>
             <a:fld id="{2108961D-8658-43AB-9B9F-E6D9ABE0FF61}" type="datetimeFigureOut">
               <a:rPr lang="en-US" smtClean="0"/>
-              <a:t>10/1/2016</a:t>
+              <a:t>11/24/2016</a:t>
             </a:fld>
             <a:endParaRPr lang="en-US"/>
           </a:p>
@@ -937,7 +953,7 @@
           <a:p>
             <a:fld id="{6D38C0DD-A3B5-4A58-9E61-989A874E235E}" type="slidenum">
               <a:rPr lang="en-US" smtClean="0"/>
-              <a:t>‹#›</a:t>
+              <a:t>‹nº›</a:t>
             </a:fld>
             <a:endParaRPr lang="en-US"/>
           </a:p>
@@ -1075,7 +1091,7 @@
           <a:p>
             <a:fld id="{2108961D-8658-43AB-9B9F-E6D9ABE0FF61}" type="datetimeFigureOut">
               <a:rPr lang="en-US" smtClean="0"/>
-              <a:t>10/1/2016</a:t>
+              <a:t>11/24/2016</a:t>
             </a:fld>
             <a:endParaRPr lang="en-US"/>
           </a:p>
@@ -1117,7 +1133,7 @@
           <a:p>
             <a:fld id="{6D38C0DD-A3B5-4A58-9E61-989A874E235E}" type="slidenum">
               <a:rPr lang="en-US" smtClean="0"/>
-              <a:t>‹#›</a:t>
+              <a:t>‹nº›</a:t>
             </a:fld>
             <a:endParaRPr lang="en-US"/>
           </a:p>
@@ -1245,7 +1261,7 @@
           <a:p>
             <a:fld id="{2108961D-8658-43AB-9B9F-E6D9ABE0FF61}" type="datetimeFigureOut">
               <a:rPr lang="en-US" smtClean="0"/>
-              <a:t>10/1/2016</a:t>
+              <a:t>11/24/2016</a:t>
             </a:fld>
             <a:endParaRPr lang="en-US"/>
           </a:p>
@@ -1287,7 +1303,7 @@
           <a:p>
             <a:fld id="{6D38C0DD-A3B5-4A58-9E61-989A874E235E}" type="slidenum">
               <a:rPr lang="en-US" smtClean="0"/>
-              <a:t>‹#›</a:t>
+              <a:t>‹nº›</a:t>
             </a:fld>
             <a:endParaRPr lang="en-US"/>
           </a:p>
@@ -1491,7 +1507,7 @@
           <a:p>
             <a:fld id="{2108961D-8658-43AB-9B9F-E6D9ABE0FF61}" type="datetimeFigureOut">
               <a:rPr lang="en-US" smtClean="0"/>
-              <a:t>10/1/2016</a:t>
+              <a:t>11/24/2016</a:t>
             </a:fld>
             <a:endParaRPr lang="en-US"/>
           </a:p>
@@ -1533,7 +1549,7 @@
           <a:p>
             <a:fld id="{6D38C0DD-A3B5-4A58-9E61-989A874E235E}" type="slidenum">
               <a:rPr lang="en-US" smtClean="0"/>
-              <a:t>‹#›</a:t>
+              <a:t>‹nº›</a:t>
             </a:fld>
             <a:endParaRPr lang="en-US"/>
           </a:p>
@@ -1779,7 +1795,7 @@
           <a:p>
             <a:fld id="{2108961D-8658-43AB-9B9F-E6D9ABE0FF61}" type="datetimeFigureOut">
               <a:rPr lang="en-US" smtClean="0"/>
-              <a:t>10/1/2016</a:t>
+              <a:t>11/24/2016</a:t>
             </a:fld>
             <a:endParaRPr lang="en-US"/>
           </a:p>
@@ -1821,7 +1837,7 @@
           <a:p>
             <a:fld id="{6D38C0DD-A3B5-4A58-9E61-989A874E235E}" type="slidenum">
               <a:rPr lang="en-US" smtClean="0"/>
-              <a:t>‹#›</a:t>
+              <a:t>‹nº›</a:t>
             </a:fld>
             <a:endParaRPr lang="en-US"/>
           </a:p>
@@ -2201,7 +2217,7 @@
           <a:p>
             <a:fld id="{2108961D-8658-43AB-9B9F-E6D9ABE0FF61}" type="datetimeFigureOut">
               <a:rPr lang="en-US" smtClean="0"/>
-              <a:t>10/1/2016</a:t>
+              <a:t>11/24/2016</a:t>
             </a:fld>
             <a:endParaRPr lang="en-US"/>
           </a:p>
@@ -2243,7 +2259,7 @@
           <a:p>
             <a:fld id="{6D38C0DD-A3B5-4A58-9E61-989A874E235E}" type="slidenum">
               <a:rPr lang="en-US" smtClean="0"/>
-              <a:t>‹#›</a:t>
+              <a:t>‹nº›</a:t>
             </a:fld>
             <a:endParaRPr lang="en-US"/>
           </a:p>
@@ -2319,7 +2335,7 @@
           <a:p>
             <a:fld id="{2108961D-8658-43AB-9B9F-E6D9ABE0FF61}" type="datetimeFigureOut">
               <a:rPr lang="en-US" smtClean="0"/>
-              <a:t>10/1/2016</a:t>
+              <a:t>11/24/2016</a:t>
             </a:fld>
             <a:endParaRPr lang="en-US"/>
           </a:p>
@@ -2361,7 +2377,7 @@
           <a:p>
             <a:fld id="{6D38C0DD-A3B5-4A58-9E61-989A874E235E}" type="slidenum">
               <a:rPr lang="en-US" smtClean="0"/>
-              <a:t>‹#›</a:t>
+              <a:t>‹nº›</a:t>
             </a:fld>
             <a:endParaRPr lang="en-US"/>
           </a:p>
@@ -2414,7 +2430,7 @@
           <a:p>
             <a:fld id="{2108961D-8658-43AB-9B9F-E6D9ABE0FF61}" type="datetimeFigureOut">
               <a:rPr lang="en-US" smtClean="0"/>
-              <a:t>10/1/2016</a:t>
+              <a:t>11/24/2016</a:t>
             </a:fld>
             <a:endParaRPr lang="en-US"/>
           </a:p>
@@ -2456,7 +2472,7 @@
           <a:p>
             <a:fld id="{6D38C0DD-A3B5-4A58-9E61-989A874E235E}" type="slidenum">
               <a:rPr lang="en-US" smtClean="0"/>
-              <a:t>‹#›</a:t>
+              <a:t>‹nº›</a:t>
             </a:fld>
             <a:endParaRPr lang="en-US"/>
           </a:p>
@@ -2691,7 +2707,7 @@
           <a:p>
             <a:fld id="{2108961D-8658-43AB-9B9F-E6D9ABE0FF61}" type="datetimeFigureOut">
               <a:rPr lang="en-US" smtClean="0"/>
-              <a:t>10/1/2016</a:t>
+              <a:t>11/24/2016</a:t>
             </a:fld>
             <a:endParaRPr lang="en-US"/>
           </a:p>
@@ -2733,7 +2749,7 @@
           <a:p>
             <a:fld id="{6D38C0DD-A3B5-4A58-9E61-989A874E235E}" type="slidenum">
               <a:rPr lang="en-US" smtClean="0"/>
-              <a:t>‹#›</a:t>
+              <a:t>‹nº›</a:t>
             </a:fld>
             <a:endParaRPr lang="en-US"/>
           </a:p>
@@ -2944,7 +2960,7 @@
           <a:p>
             <a:fld id="{2108961D-8658-43AB-9B9F-E6D9ABE0FF61}" type="datetimeFigureOut">
               <a:rPr lang="en-US" smtClean="0"/>
-              <a:t>10/1/2016</a:t>
+              <a:t>11/24/2016</a:t>
             </a:fld>
             <a:endParaRPr lang="en-US"/>
           </a:p>
@@ -2986,7 +3002,7 @@
           <a:p>
             <a:fld id="{6D38C0DD-A3B5-4A58-9E61-989A874E235E}" type="slidenum">
               <a:rPr lang="en-US" smtClean="0"/>
-              <a:t>‹#›</a:t>
+              <a:t>‹nº›</a:t>
             </a:fld>
             <a:endParaRPr lang="en-US"/>
           </a:p>
@@ -3157,7 +3173,7 @@
           <a:p>
             <a:fld id="{2108961D-8658-43AB-9B9F-E6D9ABE0FF61}" type="datetimeFigureOut">
               <a:rPr lang="en-US" smtClean="0"/>
-              <a:t>10/1/2016</a:t>
+              <a:t>11/24/2016</a:t>
             </a:fld>
             <a:endParaRPr lang="en-US"/>
           </a:p>
@@ -3235,7 +3251,7 @@
           <a:p>
             <a:fld id="{6D38C0DD-A3B5-4A58-9E61-989A874E235E}" type="slidenum">
               <a:rPr lang="en-US" smtClean="0"/>
-              <a:t>‹#›</a:t>
+              <a:t>‹nº›</a:t>
             </a:fld>
             <a:endParaRPr lang="en-US"/>
           </a:p>
@@ -3540,10 +3556,10 @@
         </p:nvGrpSpPr>
         <p:grpSpPr>
           <a:xfrm>
-            <a:off x="327581" y="179020"/>
-            <a:ext cx="8276867" cy="5677342"/>
-            <a:chOff x="327581" y="179020"/>
-            <a:chExt cx="8276867" cy="5677342"/>
+            <a:off x="322634" y="179020"/>
+            <a:ext cx="8281814" cy="5157135"/>
+            <a:chOff x="322634" y="179020"/>
+            <a:chExt cx="8281814" cy="5157135"/>
           </a:xfrm>
         </p:grpSpPr>
         <p:sp>
@@ -3644,7 +3660,7 @@
           </p:nvSpPr>
           <p:spPr>
             <a:xfrm>
-              <a:off x="1269526" y="3202124"/>
+              <a:off x="1264579" y="2681917"/>
               <a:ext cx="1831257" cy="658924"/>
             </a:xfrm>
             <a:prstGeom prst="roundRect">
@@ -3860,64 +3876,6 @@
         </p:sp>
         <p:sp>
           <p:nvSpPr>
-            <p:cNvPr id="38" name="Rounded Rectangle 37"/>
-            <p:cNvSpPr/>
-            <p:nvPr/>
-          </p:nvSpPr>
-          <p:spPr>
-            <a:xfrm>
-              <a:off x="1300583" y="2338028"/>
-              <a:ext cx="1831257" cy="658924"/>
-            </a:xfrm>
-            <a:prstGeom prst="roundRect">
-              <a:avLst/>
-            </a:prstGeom>
-          </p:spPr>
-          <p:style>
-            <a:lnRef idx="2">
-              <a:schemeClr val="accent1">
-                <a:shade val="50000"/>
-              </a:schemeClr>
-            </a:lnRef>
-            <a:fillRef idx="1">
-              <a:schemeClr val="accent1"/>
-            </a:fillRef>
-            <a:effectRef idx="0">
-              <a:schemeClr val="accent1"/>
-            </a:effectRef>
-            <a:fontRef idx="minor">
-              <a:schemeClr val="lt1"/>
-            </a:fontRef>
-          </p:style>
-          <p:txBody>
-            <a:bodyPr rtlCol="0" anchor="ctr"/>
-            <a:lstStyle/>
-            <a:p>
-              <a:pPr algn="ctr"/>
-              <a:r>
-                <a:rPr lang="en-US" dirty="0" err="1" smtClean="0">
-                  <a:latin typeface="Arial"/>
-                </a:rPr>
-                <a:t>Minha</a:t>
-              </a:r>
-              <a:r>
-                <a:rPr lang="en-US" dirty="0" smtClean="0">
-                  <a:latin typeface="Arial"/>
-                </a:rPr>
-                <a:t> </a:t>
-              </a:r>
-              <a:r>
-                <a:rPr lang="en-US" dirty="0" err="1" smtClean="0">
-                  <a:latin typeface="Arial"/>
-                </a:rPr>
-                <a:t>Conta</a:t>
-              </a:r>
-              <a:endParaRPr lang="en-US" dirty="0"/>
-            </a:p>
-          </p:txBody>
-        </p:sp>
-        <p:sp>
-          <p:nvSpPr>
             <p:cNvPr id="39" name="Rounded Rectangle 38"/>
             <p:cNvSpPr/>
             <p:nvPr/>
@@ -4098,7 +4056,7 @@
           </p:nvSpPr>
           <p:spPr>
             <a:xfrm>
-              <a:off x="327581" y="4349277"/>
+              <a:off x="322634" y="3829070"/>
               <a:ext cx="1831257" cy="658924"/>
             </a:xfrm>
             <a:prstGeom prst="roundRect">
@@ -4156,7 +4114,7 @@
           </p:nvSpPr>
           <p:spPr>
             <a:xfrm>
-              <a:off x="361046" y="5197438"/>
+              <a:off x="356099" y="4677231"/>
               <a:ext cx="1831257" cy="658924"/>
             </a:xfrm>
             <a:prstGeom prst="roundRect">
@@ -4413,36 +4371,6 @@
             </a:fontRef>
           </p:style>
         </p:cxnSp>
-        <p:cxnSp>
-          <p:nvCxnSpPr>
-            <p:cNvPr id="62" name="Elbow Connector 61"/>
-            <p:cNvCxnSpPr/>
-            <p:nvPr/>
-          </p:nvCxnSpPr>
-          <p:spPr>
-            <a:xfrm rot="16200000" flipH="1">
-              <a:off x="2704737" y="2564904"/>
-              <a:ext cx="2052228" cy="180020"/>
-            </a:xfrm>
-            <a:prstGeom prst="bentConnector2">
-              <a:avLst/>
-            </a:prstGeom>
-          </p:spPr>
-          <p:style>
-            <a:lnRef idx="1">
-              <a:schemeClr val="accent1"/>
-            </a:lnRef>
-            <a:fillRef idx="0">
-              <a:schemeClr val="accent1"/>
-            </a:fillRef>
-            <a:effectRef idx="0">
-              <a:schemeClr val="accent1"/>
-            </a:effectRef>
-            <a:fontRef idx="minor">
-              <a:schemeClr val="tx1"/>
-            </a:fontRef>
-          </p:style>
-        </p:cxnSp>
         <p:sp>
           <p:nvSpPr>
             <p:cNvPr id="64" name="Right Bracket 63"/>
@@ -4527,38 +4455,6 @@
             </a:p>
           </p:txBody>
         </p:sp>
-        <p:cxnSp>
-          <p:nvCxnSpPr>
-            <p:cNvPr id="68" name="Elbow Connector 67"/>
-            <p:cNvCxnSpPr/>
-            <p:nvPr/>
-          </p:nvCxnSpPr>
-          <p:spPr>
-            <a:xfrm rot="10800000" flipV="1">
-              <a:off x="2128673" y="2749424"/>
-              <a:ext cx="1510426" cy="31504"/>
-            </a:xfrm>
-            <a:prstGeom prst="bentConnector3">
-              <a:avLst>
-                <a:gd name="adj1" fmla="val 50000"/>
-              </a:avLst>
-            </a:prstGeom>
-          </p:spPr>
-          <p:style>
-            <a:lnRef idx="1">
-              <a:schemeClr val="accent1"/>
-            </a:lnRef>
-            <a:fillRef idx="0">
-              <a:schemeClr val="accent1"/>
-            </a:fillRef>
-            <a:effectRef idx="0">
-              <a:schemeClr val="accent1"/>
-            </a:effectRef>
-            <a:fontRef idx="minor">
-              <a:schemeClr val="tx1"/>
-            </a:fontRef>
-          </p:style>
-        </p:cxnSp>
         <p:sp>
           <p:nvSpPr>
             <p:cNvPr id="71" name="Right Bracket 70"/>
@@ -4673,7 +4569,7 @@
           </p:nvCxnSpPr>
           <p:spPr>
             <a:xfrm>
-              <a:off x="2920761" y="3537012"/>
+              <a:off x="2918555" y="2996952"/>
               <a:ext cx="720080" cy="0"/>
             </a:xfrm>
             <a:prstGeom prst="line">
@@ -4697,18 +4593,18 @@
         </p:cxnSp>
         <p:cxnSp>
           <p:nvCxnSpPr>
-            <p:cNvPr id="81" name="Elbow Connector 80"/>
+            <p:cNvPr id="25" name="Elbow Connector 24"/>
             <p:cNvCxnSpPr/>
             <p:nvPr/>
           </p:nvCxnSpPr>
           <p:spPr>
-            <a:xfrm>
-              <a:off x="3675541" y="1814246"/>
-              <a:ext cx="3066593" cy="1452383"/>
+            <a:xfrm rot="5400000">
+              <a:off x="2849606" y="2207460"/>
+              <a:ext cx="1569878" cy="9111"/>
             </a:xfrm>
             <a:prstGeom prst="bentConnector3">
               <a:avLst>
-                <a:gd name="adj1" fmla="val 89609"/>
+                <a:gd name="adj1" fmla="val 50000"/>
               </a:avLst>
             </a:prstGeom>
           </p:spPr>
@@ -4735,7 +4631,7 @@
           </p:nvCxnSpPr>
           <p:spPr>
             <a:xfrm rot="5400000">
-              <a:off x="1480602" y="3645025"/>
+              <a:off x="1547665" y="3140969"/>
               <a:ext cx="504056" cy="936102"/>
             </a:xfrm>
             <a:prstGeom prst="bentConnector3">
@@ -4759,185 +4655,158 @@
             </a:fontRef>
           </p:style>
         </p:cxnSp>
-        <p:cxnSp>
-          <p:nvCxnSpPr>
-            <p:cNvPr id="89" name="Elbow Connector 88"/>
-            <p:cNvCxnSpPr>
-              <a:endCxn id="46" idx="0"/>
-            </p:cNvCxnSpPr>
-            <p:nvPr/>
-          </p:nvCxnSpPr>
-          <p:spPr>
-            <a:xfrm>
-              <a:off x="707762" y="4678739"/>
-              <a:ext cx="568913" cy="518699"/>
-            </a:xfrm>
-            <a:prstGeom prst="bentConnector2">
-              <a:avLst/>
-            </a:prstGeom>
-          </p:spPr>
-          <p:style>
-            <a:lnRef idx="1">
-              <a:schemeClr val="accent1"/>
-            </a:lnRef>
-            <a:fillRef idx="0">
-              <a:schemeClr val="accent1"/>
-            </a:fillRef>
-            <a:effectRef idx="0">
-              <a:schemeClr val="accent1"/>
-            </a:effectRef>
-            <a:fontRef idx="minor">
-              <a:schemeClr val="tx1"/>
-            </a:fontRef>
-          </p:style>
-        </p:cxnSp>
-        <p:sp>
-          <p:nvSpPr>
-            <p:cNvPr id="50" name="Rounded Rectangle 49"/>
-            <p:cNvSpPr/>
-            <p:nvPr/>
-          </p:nvSpPr>
-          <p:spPr>
-            <a:xfrm>
-              <a:off x="6269135" y="3266629"/>
-              <a:ext cx="1831257" cy="658924"/>
-            </a:xfrm>
-            <a:prstGeom prst="roundRect">
-              <a:avLst/>
-            </a:prstGeom>
-          </p:spPr>
-          <p:style>
-            <a:lnRef idx="2">
-              <a:schemeClr val="accent1">
-                <a:shade val="50000"/>
-              </a:schemeClr>
-            </a:lnRef>
-            <a:fillRef idx="1">
-              <a:schemeClr val="accent1"/>
-            </a:fillRef>
-            <a:effectRef idx="0">
-              <a:schemeClr val="accent1"/>
-            </a:effectRef>
-            <a:fontRef idx="minor">
-              <a:schemeClr val="lt1"/>
-            </a:fontRef>
-          </p:style>
-          <p:txBody>
-            <a:bodyPr rtlCol="0" anchor="ctr"/>
-            <a:lstStyle/>
-            <a:p>
-              <a:pPr algn="ctr"/>
-              <a:r>
-                <a:rPr lang="en-US" dirty="0" err="1" smtClean="0">
-                  <a:latin typeface="Arial"/>
-                </a:rPr>
-                <a:t>Página</a:t>
-              </a:r>
-              <a:r>
-                <a:rPr lang="en-US" dirty="0" smtClean="0">
-                  <a:latin typeface="Arial"/>
-                </a:rPr>
-                <a:t> de </a:t>
-              </a:r>
-              <a:r>
-                <a:rPr lang="en-US" dirty="0" err="1" smtClean="0">
-                  <a:latin typeface="Arial"/>
-                </a:rPr>
-                <a:t>Imóvel</a:t>
-              </a:r>
-              <a:endParaRPr lang="en-US" dirty="0"/>
-            </a:p>
-          </p:txBody>
-        </p:sp>
-        <p:sp>
-          <p:nvSpPr>
-            <p:cNvPr id="58" name="Rounded Rectangle 57"/>
-            <p:cNvSpPr/>
-            <p:nvPr/>
-          </p:nvSpPr>
-          <p:spPr>
-            <a:xfrm>
-              <a:off x="3820863" y="4426260"/>
-              <a:ext cx="1831257" cy="658924"/>
-            </a:xfrm>
-            <a:prstGeom prst="roundRect">
-              <a:avLst/>
-            </a:prstGeom>
-          </p:spPr>
-          <p:style>
-            <a:lnRef idx="2">
-              <a:schemeClr val="accent1">
-                <a:shade val="50000"/>
-              </a:schemeClr>
-            </a:lnRef>
-            <a:fillRef idx="1">
-              <a:schemeClr val="accent1"/>
-            </a:fillRef>
-            <a:effectRef idx="0">
-              <a:schemeClr val="accent1"/>
-            </a:effectRef>
-            <a:fontRef idx="minor">
-              <a:schemeClr val="lt1"/>
-            </a:fontRef>
-          </p:style>
-          <p:txBody>
-            <a:bodyPr rtlCol="0" anchor="ctr"/>
-            <a:lstStyle/>
-            <a:p>
-              <a:pPr algn="ctr"/>
-              <a:r>
-                <a:rPr lang="en-US" dirty="0" err="1" smtClean="0">
-                  <a:latin typeface="Arial"/>
-                </a:rPr>
-                <a:t>Solicitação</a:t>
-              </a:r>
-              <a:r>
-                <a:rPr lang="en-US" dirty="0" smtClean="0">
-                  <a:latin typeface="Arial"/>
-                </a:rPr>
-                <a:t> de </a:t>
-              </a:r>
-              <a:r>
-                <a:rPr lang="en-US" dirty="0" err="1" smtClean="0">
-                  <a:latin typeface="Arial"/>
-                </a:rPr>
-                <a:t>Imóvel</a:t>
-              </a:r>
-              <a:endParaRPr lang="en-US" dirty="0"/>
-            </a:p>
-          </p:txBody>
-        </p:sp>
-        <p:cxnSp>
-          <p:nvCxnSpPr>
-            <p:cNvPr id="25" name="Elbow Connector 24"/>
-            <p:cNvCxnSpPr/>
-            <p:nvPr/>
-          </p:nvCxnSpPr>
-          <p:spPr>
-            <a:xfrm rot="16200000" flipH="1">
-              <a:off x="2074294" y="2991882"/>
-              <a:ext cx="3328646" cy="199035"/>
-            </a:xfrm>
-            <a:prstGeom prst="bentConnector2">
-              <a:avLst/>
-            </a:prstGeom>
-          </p:spPr>
-          <p:style>
-            <a:lnRef idx="1">
-              <a:schemeClr val="accent1"/>
-            </a:lnRef>
-            <a:fillRef idx="0">
-              <a:schemeClr val="accent1"/>
-            </a:fillRef>
-            <a:effectRef idx="0">
-              <a:schemeClr val="accent1"/>
-            </a:effectRef>
-            <a:fontRef idx="minor">
-              <a:schemeClr val="tx1"/>
-            </a:fontRef>
-          </p:style>
-        </p:cxnSp>
       </p:grpSp>
+      <p:sp>
+        <p:nvSpPr>
+          <p:cNvPr id="47" name="Rounded Rectangle 42"/>
+          <p:cNvSpPr/>
+          <p:nvPr/>
+        </p:nvSpPr>
+        <p:spPr>
+          <a:xfrm>
+            <a:off x="5837087" y="3573016"/>
+            <a:ext cx="1831257" cy="658924"/>
+          </a:xfrm>
+          <a:prstGeom prst="roundRect">
+            <a:avLst/>
+          </a:prstGeom>
+        </p:spPr>
+        <p:style>
+          <a:lnRef idx="2">
+            <a:schemeClr val="accent1">
+              <a:shade val="50000"/>
+            </a:schemeClr>
+          </a:lnRef>
+          <a:fillRef idx="1">
+            <a:schemeClr val="accent1"/>
+          </a:fillRef>
+          <a:effectRef idx="0">
+            <a:schemeClr val="accent1"/>
+          </a:effectRef>
+          <a:fontRef idx="minor">
+            <a:schemeClr val="lt1"/>
+          </a:fontRef>
+        </p:style>
+        <p:txBody>
+          <a:bodyPr rtlCol="0" anchor="ctr"/>
+          <a:lstStyle/>
+          <a:p>
+            <a:pPr algn="ctr"/>
+            <a:r>
+              <a:rPr lang="en-US" dirty="0" err="1" smtClean="0">
+                <a:latin typeface="Arial"/>
+              </a:rPr>
+              <a:t>Alterar</a:t>
+            </a:r>
+            <a:r>
+              <a:rPr lang="en-US" dirty="0" smtClean="0">
+                <a:latin typeface="Arial"/>
+              </a:rPr>
+              <a:t> Dados</a:t>
+            </a:r>
+            <a:endParaRPr lang="en-US" dirty="0"/>
+          </a:p>
+        </p:txBody>
+      </p:sp>
+      <p:cxnSp>
+        <p:nvCxnSpPr>
+          <p:cNvPr id="8" name="Conector reto 7"/>
+          <p:cNvCxnSpPr>
+            <a:stCxn id="43" idx="0"/>
+            <a:endCxn id="39" idx="2"/>
+          </p:cNvCxnSpPr>
+          <p:nvPr/>
+        </p:nvCxnSpPr>
+        <p:spPr>
+          <a:xfrm flipV="1">
+            <a:off x="4735061" y="3439852"/>
+            <a:ext cx="1431" cy="134499"/>
+          </a:xfrm>
+          <a:prstGeom prst="line">
+            <a:avLst/>
+          </a:prstGeom>
+        </p:spPr>
+        <p:style>
+          <a:lnRef idx="1">
+            <a:schemeClr val="accent1"/>
+          </a:lnRef>
+          <a:fillRef idx="0">
+            <a:schemeClr val="accent1"/>
+          </a:fillRef>
+          <a:effectRef idx="0">
+            <a:schemeClr val="accent1"/>
+          </a:effectRef>
+          <a:fontRef idx="minor">
+            <a:schemeClr val="tx1"/>
+          </a:fontRef>
+        </p:style>
+      </p:cxnSp>
+      <p:cxnSp>
+        <p:nvCxnSpPr>
+          <p:cNvPr id="14" name="Conector angulado 13"/>
+          <p:cNvCxnSpPr>
+            <a:stCxn id="39" idx="3"/>
+          </p:cNvCxnSpPr>
+          <p:nvPr/>
+        </p:nvCxnSpPr>
+        <p:spPr>
+          <a:xfrm>
+            <a:off x="5652120" y="3110390"/>
+            <a:ext cx="1464596" cy="800962"/>
+          </a:xfrm>
+          <a:prstGeom prst="bentConnector3">
+            <a:avLst>
+              <a:gd name="adj1" fmla="val 74228"/>
+            </a:avLst>
+          </a:prstGeom>
+        </p:spPr>
+        <p:style>
+          <a:lnRef idx="1">
+            <a:schemeClr val="accent1"/>
+          </a:lnRef>
+          <a:fillRef idx="0">
+            <a:schemeClr val="accent1"/>
+          </a:fillRef>
+          <a:effectRef idx="0">
+            <a:schemeClr val="accent1"/>
+          </a:effectRef>
+          <a:fontRef idx="minor">
+            <a:schemeClr val="tx1"/>
+          </a:fontRef>
+        </p:style>
+      </p:cxnSp>
+      <p:cxnSp>
+        <p:nvCxnSpPr>
+          <p:cNvPr id="20" name="Conector angulado 19"/>
+          <p:cNvCxnSpPr>
+            <a:endCxn id="46" idx="3"/>
+          </p:cNvCxnSpPr>
+          <p:nvPr/>
+        </p:nvCxnSpPr>
+        <p:spPr>
+          <a:xfrm rot="5400000">
+            <a:off x="1517167" y="4011030"/>
+            <a:ext cx="1665852" cy="325474"/>
+          </a:xfrm>
+          <a:prstGeom prst="bentConnector2">
+            <a:avLst/>
+          </a:prstGeom>
+        </p:spPr>
+        <p:style>
+          <a:lnRef idx="1">
+            <a:schemeClr val="accent1"/>
+          </a:lnRef>
+          <a:fillRef idx="0">
+            <a:schemeClr val="accent1"/>
+          </a:fillRef>
+          <a:effectRef idx="0">
+            <a:schemeClr val="accent1"/>
+          </a:effectRef>
+          <a:fontRef idx="minor">
+            <a:schemeClr val="tx1"/>
+          </a:fontRef>
+        </p:style>
+      </p:cxnSp>
     </p:spTree>
     <p:extLst>
       <p:ext uri="{BB962C8B-B14F-4D97-AF65-F5344CB8AC3E}">
